--- a/.ppt/前端错误监控.pptx
+++ b/.ppt/前端错误监控.pptx
@@ -5948,7 +5948,6 @@
             <a:off x="2768600" y="3444875"/>
             <a:ext cx="3817938" cy="639763"/>
           </a:xfrm>
-          <a:ln/>
         </p:spPr>
         <p:txBody>
           <a:bodyPr vert="horz" lIns="91440" tIns="45720" rIns="91440" bIns="45720" anchor="ctr" anchorCtr="0"/>
@@ -5990,7 +5989,6 @@
             <a:off x="3962400" y="4267200"/>
             <a:ext cx="2141538" cy="679450"/>
           </a:xfrm>
-          <a:ln/>
         </p:spPr>
         <p:txBody>
           <a:bodyPr vert="horz" lIns="91440" tIns="45720" rIns="91440" bIns="45720" anchor="t" anchorCtr="0">
@@ -6130,9 +6128,7 @@
             <p:ph type="title"/>
           </p:nvPr>
         </p:nvSpPr>
-        <p:spPr>
-          <a:ln/>
-        </p:spPr>
+        <p:spPr/>
         <p:txBody>
           <a:bodyPr vert="horz" lIns="91440" tIns="45720" rIns="91440" bIns="45720" anchor="b" anchorCtr="0"/>
           <a:p>
@@ -6165,7 +6161,6 @@
             <a:off x="2940050" y="2227263"/>
             <a:ext cx="3262313" cy="3262312"/>
           </a:xfrm>
-          <a:ln/>
         </p:spPr>
       </p:pic>
     </p:spTree>
@@ -6199,9 +6194,7 @@
             <p:ph type="title"/>
           </p:nvPr>
         </p:nvSpPr>
-        <p:spPr>
-          <a:ln/>
-        </p:spPr>
+        <p:spPr/>
         <p:txBody>
           <a:bodyPr vert="horz" lIns="91440" tIns="45720" rIns="91440" bIns="45720" anchor="b" anchorCtr="0"/>
           <a:p>
@@ -6229,9 +6222,7 @@
             <p:ph sz="half" idx="1"/>
           </p:nvPr>
         </p:nvSpPr>
-        <p:spPr>
-          <a:ln/>
-        </p:spPr>
+        <p:spPr/>
         <p:txBody>
           <a:bodyPr vert="horz" lIns="91440" tIns="45720" rIns="91440" bIns="45720" anchor="t" anchorCtr="0"/>
           <a:p>
@@ -6533,9 +6524,7 @@
             <p:ph type="title"/>
           </p:nvPr>
         </p:nvSpPr>
-        <p:spPr>
-          <a:ln/>
-        </p:spPr>
+        <p:spPr/>
         <p:txBody>
           <a:bodyPr vert="horz" lIns="91440" tIns="45720" rIns="91440" bIns="45720" anchor="b" anchorCtr="0"/>
           <a:p>
@@ -6557,9 +6546,7 @@
             <p:ph idx="1"/>
           </p:nvPr>
         </p:nvSpPr>
-        <p:spPr>
-          <a:ln/>
-        </p:spPr>
+        <p:spPr/>
         <p:txBody>
           <a:bodyPr vert="horz" lIns="91440" tIns="45720" rIns="91440" bIns="45720" anchor="t" anchorCtr="0"/>
           <a:p>
@@ -6659,9 +6646,7 @@
             <p:ph type="title"/>
           </p:nvPr>
         </p:nvSpPr>
-        <p:spPr>
-          <a:ln/>
-        </p:spPr>
+        <p:spPr/>
         <p:txBody>
           <a:bodyPr vert="horz" lIns="91440" tIns="45720" rIns="91440" bIns="45720" anchor="b" anchorCtr="0"/>
           <a:p>
@@ -6683,9 +6668,7 @@
             <p:ph idx="1"/>
           </p:nvPr>
         </p:nvSpPr>
-        <p:spPr>
-          <a:ln/>
-        </p:spPr>
+        <p:spPr/>
         <p:txBody>
           <a:bodyPr vert="horz" lIns="91440" tIns="45720" rIns="91440" bIns="45720" anchor="t" anchorCtr="0"/>
           <a:p>
@@ -6817,9 +6800,7 @@
             <p:ph type="title"/>
           </p:nvPr>
         </p:nvSpPr>
-        <p:spPr>
-          <a:ln/>
-        </p:spPr>
+        <p:spPr/>
         <p:txBody>
           <a:bodyPr vert="horz" lIns="91440" tIns="45720" rIns="91440" bIns="45720" anchor="b" anchorCtr="0"/>
           <a:p>
@@ -6846,7 +6827,6 @@
             <a:off x="628650" y="2227263"/>
             <a:ext cx="3886200" cy="3262312"/>
           </a:xfrm>
-          <a:ln/>
         </p:spPr>
         <p:txBody>
           <a:bodyPr vert="horz" lIns="91440" tIns="45720" rIns="91440" bIns="45720" anchor="t" anchorCtr="0"/>
@@ -6965,7 +6945,6 @@
             <a:off x="4716463" y="765175"/>
             <a:ext cx="3886200" cy="2416175"/>
           </a:xfrm>
-          <a:ln/>
         </p:spPr>
       </p:pic>
       <p:pic>
@@ -7027,9 +7006,7 @@
             <p:ph type="title"/>
           </p:nvPr>
         </p:nvSpPr>
-        <p:spPr>
-          <a:ln/>
-        </p:spPr>
+        <p:spPr/>
         <p:txBody>
           <a:bodyPr vert="horz" lIns="91440" tIns="45720" rIns="91440" bIns="45720" anchor="b" anchorCtr="0"/>
           <a:p>
@@ -7063,10 +7040,10 @@
         </p:spPr>
         <p:txBody>
           <a:bodyPr>
-            <a:normAutofit fontScale="80000"/>
+            <a:normAutofit/>
           </a:bodyPr>
           <a:p>
-            <a:pPr marL="228600" marR="0" indent="-228600" algn="l" defTabSz="914400" rtl="0" eaLnBrk="1" fontAlgn="auto" latinLnBrk="0" hangingPunct="1">
+            <a:pPr marL="0" marR="0" indent="0" algn="l" defTabSz="914400" rtl="0" eaLnBrk="1" fontAlgn="auto" latinLnBrk="0" hangingPunct="1">
               <a:lnSpc>
                 <a:spcPct val="90000"/>
               </a:lnSpc>
@@ -7079,127 +7056,8 @@
               <a:buClrTx/>
               <a:buSzTx/>
               <a:buFont typeface="Arial" panose="020B0604020202020204" pitchFamily="34" charset="0"/>
-              <a:buChar char="•"/>
+              <a:buNone/>
             </a:pPr>
-            <a:r>
-              <a:rPr kumimoji="0" lang="zh-CN" altLang="en-US" sz="2400" b="0" i="0" u="none" strike="noStrike" kern="1200" cap="none" spc="0" normalizeH="0" baseline="0" noProof="1">
-                <a:solidFill>
-                  <a:schemeClr val="tx1"/>
-                </a:solidFill>
-                <a:latin typeface="+mn-lt"/>
-                <a:ea typeface="+mn-ea"/>
-                <a:cs typeface="+mn-cs"/>
-              </a:rPr>
-              <a:t>在研究搭建 npm 私有组件仓库时，查阅了很多相关方面的资料，有使用 maven 包管理的私服工具 nexus 搭建私有仓库的，也有使用阿里的 cnpm 搭建私有仓库的，还有使用 sinopia 和 verdaccio 搭建私有仓库的，下面介绍一下它们的主要区别：</a:t>
-            </a:r>
-            <a:endParaRPr kumimoji="0" lang="zh-CN" altLang="en-US" sz="2400" b="0" i="0" u="none" strike="noStrike" kern="1200" cap="none" spc="0" normalizeH="0" baseline="0" noProof="1">
-              <a:solidFill>
-                <a:schemeClr val="tx1"/>
-              </a:solidFill>
-              <a:latin typeface="+mn-lt"/>
-              <a:ea typeface="+mn-ea"/>
-              <a:cs typeface="+mn-cs"/>
-            </a:endParaRPr>
-          </a:p>
-          <a:p>
-            <a:pPr marL="228600" marR="0" indent="-228600" algn="l" defTabSz="914400" rtl="0" eaLnBrk="1" fontAlgn="auto" latinLnBrk="0" hangingPunct="1">
-              <a:lnSpc>
-                <a:spcPct val="90000"/>
-              </a:lnSpc>
-              <a:spcBef>
-                <a:spcPts val="1000"/>
-              </a:spcBef>
-              <a:spcAft>
-                <a:spcPct val="0"/>
-              </a:spcAft>
-              <a:buClrTx/>
-              <a:buSzTx/>
-              <a:buFont typeface="Arial" panose="020B0604020202020204" pitchFamily="34" charset="0"/>
-              <a:buChar char="•"/>
-            </a:pPr>
-            <a:r>
-              <a:rPr kumimoji="0" lang="zh-CN" altLang="en-US" sz="2400" b="0" i="0" u="none" strike="noStrike" kern="1200" cap="none" spc="0" normalizeH="0" baseline="0" noProof="1">
-                <a:solidFill>
-                  <a:schemeClr val="tx1"/>
-                </a:solidFill>
-                <a:latin typeface="+mn-lt"/>
-                <a:ea typeface="+mn-ea"/>
-                <a:cs typeface="+mn-cs"/>
-              </a:rPr>
-              <a:t>使用 maven 包管理的私服工具 nexus 搭建私有仓库，这种方式功能强大，但更偏向后台使用，服务端的同学应该比较熟悉；</a:t>
-            </a:r>
-            <a:endParaRPr kumimoji="0" lang="zh-CN" altLang="en-US" sz="2400" b="0" i="0" u="none" strike="noStrike" kern="1200" cap="none" spc="0" normalizeH="0" baseline="0" noProof="1">
-              <a:solidFill>
-                <a:schemeClr val="tx1"/>
-              </a:solidFill>
-              <a:latin typeface="+mn-lt"/>
-              <a:ea typeface="+mn-ea"/>
-              <a:cs typeface="+mn-cs"/>
-            </a:endParaRPr>
-          </a:p>
-          <a:p>
-            <a:pPr marL="228600" marR="0" indent="-228600" algn="l" defTabSz="914400" rtl="0" eaLnBrk="1" fontAlgn="auto" latinLnBrk="0" hangingPunct="1">
-              <a:lnSpc>
-                <a:spcPct val="90000"/>
-              </a:lnSpc>
-              <a:spcBef>
-                <a:spcPts val="1000"/>
-              </a:spcBef>
-              <a:spcAft>
-                <a:spcPct val="0"/>
-              </a:spcAft>
-              <a:buClrTx/>
-              <a:buSzTx/>
-              <a:buFont typeface="Arial" panose="020B0604020202020204" pitchFamily="34" charset="0"/>
-              <a:buChar char="•"/>
-            </a:pPr>
-            <a:r>
-              <a:rPr kumimoji="0" lang="zh-CN" altLang="en-US" sz="2400" b="0" i="0" u="none" strike="noStrike" kern="1200" cap="none" spc="0" normalizeH="0" baseline="0" noProof="1">
-                <a:solidFill>
-                  <a:schemeClr val="tx1"/>
-                </a:solidFill>
-                <a:latin typeface="+mn-lt"/>
-                <a:ea typeface="+mn-ea"/>
-                <a:cs typeface="+mn-cs"/>
-              </a:rPr>
-              <a:t>阿里的 cnpm 搭建 npm 私有仓库，这个是阿里自己内部也在使用的，应该也挺好用，不过需要安装 MySQL 数据库，而且配置比较麻烦</a:t>
-            </a:r>
-            <a:endParaRPr kumimoji="0" lang="zh-CN" altLang="en-US" sz="2400" b="0" i="0" u="none" strike="noStrike" kern="1200" cap="none" spc="0" normalizeH="0" baseline="0" noProof="1">
-              <a:solidFill>
-                <a:schemeClr val="tx1"/>
-              </a:solidFill>
-              <a:latin typeface="+mn-lt"/>
-              <a:ea typeface="+mn-ea"/>
-              <a:cs typeface="+mn-cs"/>
-            </a:endParaRPr>
-          </a:p>
-          <a:p>
-            <a:pPr marL="228600" marR="0" indent="-228600" algn="l" defTabSz="914400" rtl="0" eaLnBrk="1" fontAlgn="auto" latinLnBrk="0" hangingPunct="1">
-              <a:lnSpc>
-                <a:spcPct val="90000"/>
-              </a:lnSpc>
-              <a:spcBef>
-                <a:spcPts val="1000"/>
-              </a:spcBef>
-              <a:spcAft>
-                <a:spcPct val="0"/>
-              </a:spcAft>
-              <a:buClrTx/>
-              <a:buSzTx/>
-              <a:buFont typeface="Arial" panose="020B0604020202020204" pitchFamily="34" charset="0"/>
-              <a:buChar char="•"/>
-            </a:pPr>
-            <a:r>
-              <a:rPr kumimoji="0" lang="zh-CN" altLang="en-US" sz="2400" b="0" i="0" u="none" strike="noStrike" kern="1200" cap="none" spc="0" normalizeH="0" baseline="0" noProof="1">
-                <a:solidFill>
-                  <a:schemeClr val="tx1"/>
-                </a:solidFill>
-                <a:latin typeface="+mn-lt"/>
-                <a:ea typeface="+mn-ea"/>
-                <a:cs typeface="+mn-cs"/>
-              </a:rPr>
-              <a:t>使用 sinopia 搭建 npm 私有仓库，这个使用比较简单，而且不用配置数据库，但是这个 github 项目好像三四年都没有人维护了</a:t>
-            </a:r>
             <a:endParaRPr kumimoji="0" lang="zh-CN" altLang="en-US" sz="2400" b="0" i="0" u="none" strike="noStrike" kern="1200" cap="none" spc="0" normalizeH="0" baseline="0" noProof="1">
               <a:solidFill>
                 <a:schemeClr val="tx1"/>
@@ -7234,36 +7092,11 @@
               <a:cs typeface="+mn-cs"/>
             </a:endParaRPr>
           </a:p>
-          <a:p>
-            <a:pPr marL="228600" marR="0" indent="-228600" algn="l" defTabSz="914400" rtl="0" eaLnBrk="1" fontAlgn="auto" latinLnBrk="0" hangingPunct="1">
-              <a:lnSpc>
-                <a:spcPct val="90000"/>
-              </a:lnSpc>
-              <a:spcBef>
-                <a:spcPts val="1000"/>
-              </a:spcBef>
-              <a:spcAft>
-                <a:spcPct val="0"/>
-              </a:spcAft>
-              <a:buClrTx/>
-              <a:buSzTx/>
-              <a:buFont typeface="Arial" panose="020B0604020202020204" pitchFamily="34" charset="0"/>
-              <a:buChar char="•"/>
-            </a:pPr>
-            <a:endParaRPr kumimoji="0" lang="zh-CN" altLang="en-US" sz="2400" b="0" i="0" u="none" strike="noStrike" kern="1200" cap="none" spc="0" normalizeH="0" baseline="0" noProof="1">
-              <a:solidFill>
-                <a:schemeClr val="tx1"/>
-              </a:solidFill>
-              <a:latin typeface="+mn-lt"/>
-              <a:ea typeface="+mn-ea"/>
-              <a:cs typeface="+mn-cs"/>
-            </a:endParaRPr>
-          </a:p>
         </p:txBody>
       </p:sp>
       <p:pic>
         <p:nvPicPr>
-          <p:cNvPr id="11267" name="图片 1"/>
+          <p:cNvPr id="2" name="图片 1"/>
           <p:cNvPicPr>
             <a:picLocks noChangeAspect="1"/>
           </p:cNvPicPr>
@@ -7320,9 +7153,7 @@
             <p:ph type="title"/>
           </p:nvPr>
         </p:nvSpPr>
-        <p:spPr>
-          <a:ln/>
-        </p:spPr>
+        <p:spPr/>
         <p:txBody>
           <a:bodyPr vert="horz" lIns="91440" tIns="45720" rIns="91440" bIns="45720" anchor="b" anchorCtr="0"/>
           <a:p>
@@ -7355,7 +7186,6 @@
             <a:off x="1295400" y="2814638"/>
             <a:ext cx="6553200" cy="2085975"/>
           </a:xfrm>
-          <a:ln/>
         </p:spPr>
       </p:pic>
     </p:spTree>
@@ -7389,9 +7219,7 @@
             <p:ph type="title"/>
           </p:nvPr>
         </p:nvSpPr>
-        <p:spPr>
-          <a:ln/>
-        </p:spPr>
+        <p:spPr/>
         <p:txBody>
           <a:bodyPr vert="horz" lIns="91440" tIns="45720" rIns="91440" bIns="45720" anchor="b" anchorCtr="0"/>
           <a:p>
@@ -7424,7 +7252,6 @@
             <a:off x="2838450" y="2227263"/>
             <a:ext cx="3465513" cy="3262312"/>
           </a:xfrm>
-          <a:ln/>
         </p:spPr>
       </p:pic>
     </p:spTree>

--- a/.ppt/前端错误监控.pptx
+++ b/.ppt/前端错误监控.pptx
@@ -5,24 +5,26 @@
     <p:sldMasterId id="2147483648" r:id="rId1"/>
   </p:sldMasterIdLst>
   <p:notesMasterIdLst>
-    <p:notesMasterId r:id="rId13"/>
+    <p:notesMasterId r:id="rId15"/>
   </p:notesMasterIdLst>
   <p:sldIdLst>
     <p:sldId id="256" r:id="rId3"/>
-    <p:sldId id="258" r:id="rId4"/>
-    <p:sldId id="267" r:id="rId5"/>
-    <p:sldId id="259" r:id="rId6"/>
-    <p:sldId id="260" r:id="rId7"/>
-    <p:sldId id="261" r:id="rId8"/>
-    <p:sldId id="263" r:id="rId9"/>
-    <p:sldId id="262" r:id="rId10"/>
-    <p:sldId id="265" r:id="rId11"/>
-    <p:sldId id="266" r:id="rId12"/>
+    <p:sldId id="275" r:id="rId4"/>
+    <p:sldId id="258" r:id="rId5"/>
+    <p:sldId id="267" r:id="rId6"/>
+    <p:sldId id="259" r:id="rId7"/>
+    <p:sldId id="260" r:id="rId8"/>
+    <p:sldId id="261" r:id="rId9"/>
+    <p:sldId id="263" r:id="rId10"/>
+    <p:sldId id="262" r:id="rId11"/>
+    <p:sldId id="265" r:id="rId12"/>
+    <p:sldId id="266" r:id="rId13"/>
+    <p:sldId id="276" r:id="rId14"/>
   </p:sldIdLst>
   <p:sldSz cx="9144000" cy="6858000" type="screen4x3"/>
   <p:notesSz cx="6858000" cy="9144000"/>
   <p:custDataLst>
-    <p:tags r:id="rId17"/>
+    <p:tags r:id="rId19"/>
   </p:custDataLst>
   <p:defaultTextStyle>
     <a:defPPr>
@@ -6120,6 +6122,72 @@
       <p:grpSpPr/>
       <p:sp>
         <p:nvSpPr>
+          <p:cNvPr id="13313" name="标题 1"/>
+          <p:cNvSpPr>
+            <a:spLocks noGrp="1"/>
+          </p:cNvSpPr>
+          <p:nvPr>
+            <p:ph type="title"/>
+          </p:nvPr>
+        </p:nvSpPr>
+        <p:spPr/>
+        <p:txBody>
+          <a:bodyPr vert="horz" lIns="91440" tIns="45720" rIns="91440" bIns="45720" anchor="b" anchorCtr="0"/>
+          <a:p>
+            <a:r>
+              <a:rPr lang="zh-CN" altLang="en-US"/>
+              <a:t>通过钉钉发送</a:t>
+            </a:r>
+            <a:endParaRPr lang="zh-CN" altLang="en-US"/>
+          </a:p>
+        </p:txBody>
+      </p:sp>
+      <p:pic>
+        <p:nvPicPr>
+          <p:cNvPr id="13314" name="内容占位符 3"/>
+          <p:cNvPicPr>
+            <a:picLocks noGrp="1" noChangeAspect="1"/>
+          </p:cNvPicPr>
+          <p:nvPr>
+            <p:ph idx="1"/>
+          </p:nvPr>
+        </p:nvPicPr>
+        <p:blipFill>
+          <a:blip r:embed="rId1"/>
+          <a:stretch>
+            <a:fillRect/>
+          </a:stretch>
+        </p:blipFill>
+        <p:spPr>
+          <a:xfrm>
+            <a:off x="2838450" y="2227263"/>
+            <a:ext cx="3465513" cy="3262312"/>
+          </a:xfrm>
+        </p:spPr>
+      </p:pic>
+    </p:spTree>
+    <p:custDataLst>
+      <p:tags r:id="rId2"/>
+    </p:custDataLst>
+  </p:cSld>
+  <p:clrMapOvr>
+    <a:masterClrMapping/>
+  </p:clrMapOvr>
+</p:sld>
+</file>
+
+<file path=ppt/slides/slide11.xml><?xml version="1.0" encoding="utf-8"?>
+<p:sld xmlns:a="http://schemas.openxmlformats.org/drawingml/2006/main" xmlns:r="http://schemas.openxmlformats.org/officeDocument/2006/relationships" xmlns:p="http://schemas.openxmlformats.org/presentationml/2006/main">
+  <p:cSld>
+    <p:spTree>
+      <p:nvGrpSpPr>
+        <p:cNvPr id="1" name=""/>
+        <p:cNvGrpSpPr/>
+        <p:nvPr/>
+      </p:nvGrpSpPr>
+      <p:grpSpPr/>
+      <p:sp>
+        <p:nvSpPr>
           <p:cNvPr id="14337" name="标题 1"/>
           <p:cNvSpPr>
             <a:spLocks noGrp="1"/>
@@ -6174,7 +6242,258 @@
 </p:sld>
 </file>
 
+<file path=ppt/slides/slide12.xml><?xml version="1.0" encoding="utf-8"?>
+<p:sld xmlns:a="http://schemas.openxmlformats.org/drawingml/2006/main" xmlns:r="http://schemas.openxmlformats.org/officeDocument/2006/relationships" xmlns:p="http://schemas.openxmlformats.org/presentationml/2006/main">
+  <p:cSld>
+    <p:spTree>
+      <p:nvGrpSpPr>
+        <p:cNvPr id="1" name=""/>
+        <p:cNvGrpSpPr/>
+        <p:nvPr/>
+      </p:nvGrpSpPr>
+      <p:grpSpPr/>
+      <p:sp>
+        <p:nvSpPr>
+          <p:cNvPr id="4" name="标题 3"/>
+          <p:cNvSpPr>
+            <a:spLocks noGrp="1"/>
+          </p:cNvSpPr>
+          <p:nvPr>
+            <p:ph type="title"/>
+          </p:nvPr>
+        </p:nvSpPr>
+        <p:spPr/>
+        <p:txBody>
+          <a:bodyPr/>
+          <a:p>
+            <a:r>
+              <a:rPr lang="zh-CN" altLang="en-US" sz="4000"/>
+              <a:t>感谢</a:t>
+            </a:r>
+            <a:r>
+              <a:rPr lang="zh-CN" altLang="en-US" sz="4000"/>
+              <a:t>观看</a:t>
+            </a:r>
+            <a:endParaRPr lang="zh-CN" altLang="en-US" sz="4000"/>
+          </a:p>
+        </p:txBody>
+      </p:sp>
+    </p:spTree>
+    <p:custDataLst>
+      <p:tags r:id="rId1"/>
+    </p:custDataLst>
+  </p:cSld>
+  <p:clrMapOvr>
+    <a:masterClrMapping/>
+  </p:clrMapOvr>
+</p:sld>
+</file>
+
 <file path=ppt/slides/slide2.xml><?xml version="1.0" encoding="utf-8"?>
+<p:sld xmlns:a="http://schemas.openxmlformats.org/drawingml/2006/main" xmlns:r="http://schemas.openxmlformats.org/officeDocument/2006/relationships" xmlns:p="http://schemas.openxmlformats.org/presentationml/2006/main">
+  <p:cSld>
+    <p:spTree>
+      <p:nvGrpSpPr>
+        <p:cNvPr id="1" name=""/>
+        <p:cNvGrpSpPr/>
+        <p:nvPr/>
+      </p:nvGrpSpPr>
+      <p:grpSpPr/>
+      <p:sp>
+        <p:nvSpPr>
+          <p:cNvPr id="2" name="标题 1"/>
+          <p:cNvSpPr>
+            <a:spLocks noGrp="1"/>
+          </p:cNvSpPr>
+          <p:nvPr>
+            <p:ph type="title"/>
+          </p:nvPr>
+        </p:nvSpPr>
+        <p:spPr/>
+        <p:txBody>
+          <a:bodyPr/>
+          <a:p>
+            <a:r>
+              <a:rPr lang="zh-CN" altLang="en-US"/>
+              <a:t>前端搭建监控体系</a:t>
+            </a:r>
+            <a:endParaRPr lang="zh-CN" altLang="en-US"/>
+          </a:p>
+        </p:txBody>
+      </p:sp>
+      <p:sp>
+        <p:nvSpPr>
+          <p:cNvPr id="4" name="内容占位符 3"/>
+          <p:cNvSpPr>
+            <a:spLocks noGrp="1"/>
+          </p:cNvSpPr>
+          <p:nvPr>
+            <p:ph sz="half" idx="1"/>
+          </p:nvPr>
+        </p:nvSpPr>
+        <p:spPr/>
+        <p:txBody>
+          <a:bodyPr/>
+          <a:p>
+            <a:endParaRPr lang="zh-CN" altLang="en-US">
+              <a:sym typeface="+mn-ea"/>
+            </a:endParaRPr>
+          </a:p>
+          <a:p>
+            <a:endParaRPr lang="zh-CN" altLang="en-US">
+              <a:sym typeface="+mn-ea"/>
+            </a:endParaRPr>
+          </a:p>
+          <a:p>
+            <a:r>
+              <a:rPr lang="zh-CN" altLang="en-US">
+                <a:sym typeface="+mn-ea"/>
+              </a:rPr>
+              <a:t>如何及时发现问题</a:t>
+            </a:r>
+            <a:endParaRPr lang="zh-CN" altLang="en-US">
+              <a:sym typeface="+mn-ea"/>
+            </a:endParaRPr>
+          </a:p>
+          <a:p>
+            <a:endParaRPr lang="zh-CN" altLang="en-US">
+              <a:sym typeface="+mn-ea"/>
+            </a:endParaRPr>
+          </a:p>
+          <a:p>
+            <a:endParaRPr lang="zh-CN" altLang="en-US">
+              <a:sym typeface="+mn-ea"/>
+            </a:endParaRPr>
+          </a:p>
+          <a:p>
+            <a:r>
+              <a:rPr lang="zh-CN" altLang="en-US">
+                <a:sym typeface="+mn-ea"/>
+              </a:rPr>
+              <a:t>如何快速定位问题</a:t>
+            </a:r>
+            <a:endParaRPr lang="zh-CN" altLang="en-US"/>
+          </a:p>
+          <a:p>
+            <a:endParaRPr lang="zh-CN" altLang="en-US"/>
+          </a:p>
+        </p:txBody>
+      </p:sp>
+      <p:sp>
+        <p:nvSpPr>
+          <p:cNvPr id="5" name="内容占位符 4"/>
+          <p:cNvSpPr>
+            <a:spLocks noGrp="1"/>
+          </p:cNvSpPr>
+          <p:nvPr>
+            <p:ph sz="half" idx="2"/>
+          </p:nvPr>
+        </p:nvSpPr>
+        <p:spPr>
+          <a:xfrm>
+            <a:off x="4629150" y="2226310"/>
+            <a:ext cx="3886200" cy="4291330"/>
+          </a:xfrm>
+        </p:spPr>
+        <p:txBody>
+          <a:bodyPr/>
+          <a:p>
+            <a:r>
+              <a:rPr lang="zh-CN" altLang="en-US"/>
+              <a:t>性能</a:t>
+            </a:r>
+            <a:r>
+              <a:rPr lang="zh-CN" altLang="en-US"/>
+              <a:t>监控</a:t>
+            </a:r>
+            <a:endParaRPr lang="zh-CN" altLang="en-US"/>
+          </a:p>
+          <a:p>
+            <a:pPr marL="0" indent="0">
+              <a:buNone/>
+            </a:pPr>
+            <a:r>
+              <a:rPr lang="en-US" altLang="zh-CN"/>
+              <a:t>   </a:t>
+            </a:r>
+            <a:r>
+              <a:rPr lang="zh-CN" altLang="en-US" sz="2000"/>
+              <a:t>前端性能监控，就是要监测页面的性能情况，将各种的性能数据指标量化并收集</a:t>
+            </a:r>
+            <a:endParaRPr lang="zh-CN" altLang="en-US"/>
+          </a:p>
+          <a:p>
+            <a:r>
+              <a:rPr lang="zh-CN" altLang="en-US"/>
+              <a:t>行为</a:t>
+            </a:r>
+            <a:r>
+              <a:rPr lang="zh-CN" altLang="en-US"/>
+              <a:t>监控</a:t>
+            </a:r>
+            <a:endParaRPr lang="zh-CN" altLang="en-US"/>
+          </a:p>
+          <a:p>
+            <a:pPr marL="0" indent="0">
+              <a:buNone/>
+            </a:pPr>
+            <a:r>
+              <a:rPr lang="en-US" altLang="zh-CN" sz="2000"/>
+              <a:t>    </a:t>
+            </a:r>
+            <a:r>
+              <a:rPr lang="zh-CN" altLang="en-US" sz="2000"/>
+              <a:t>采集用户的行为信息，然后做一些我们想要做的</a:t>
+            </a:r>
+            <a:r>
+              <a:rPr lang="zh-CN" altLang="en-US" sz="2000"/>
+              <a:t>事。</a:t>
+            </a:r>
+            <a:endParaRPr lang="zh-CN" altLang="en-US" sz="2000"/>
+          </a:p>
+          <a:p>
+            <a:r>
+              <a:rPr lang="zh-CN" altLang="en-US"/>
+              <a:t>错误</a:t>
+            </a:r>
+            <a:r>
+              <a:rPr lang="zh-CN" altLang="en-US"/>
+              <a:t>监控</a:t>
+            </a:r>
+            <a:endParaRPr lang="zh-CN" altLang="en-US"/>
+          </a:p>
+          <a:p>
+            <a:pPr marL="0" indent="0">
+              <a:buNone/>
+            </a:pPr>
+            <a:r>
+              <a:rPr lang="en-US" altLang="zh-CN"/>
+              <a:t>  </a:t>
+            </a:r>
+            <a:r>
+              <a:rPr lang="en-US" altLang="zh-CN" sz="2000"/>
+              <a:t> </a:t>
+            </a:r>
+            <a:r>
+              <a:rPr lang="zh-CN" altLang="en-US" sz="2000"/>
+              <a:t>收集线上错误，避免造成损失。</a:t>
+            </a:r>
+            <a:endParaRPr lang="zh-CN" altLang="en-US" sz="2000"/>
+          </a:p>
+        </p:txBody>
+      </p:sp>
+    </p:spTree>
+    <p:custDataLst>
+      <p:tags r:id="rId1"/>
+    </p:custDataLst>
+  </p:cSld>
+  <p:clrMapOvr>
+    <a:masterClrMapping/>
+  </p:clrMapOvr>
+</p:sld>
+</file>
+
+<file path=ppt/slides/slide3.xml><?xml version="1.0" encoding="utf-8"?>
 <p:sld xmlns:a="http://schemas.openxmlformats.org/drawingml/2006/main" xmlns:r="http://schemas.openxmlformats.org/officeDocument/2006/relationships" xmlns:p="http://schemas.openxmlformats.org/presentationml/2006/main">
   <p:cSld>
     <p:spTree>
@@ -6340,170 +6659,6 @@
 </p:sld>
 </file>
 
-<file path=ppt/slides/slide3.xml><?xml version="1.0" encoding="utf-8"?>
-<p:sld xmlns:a="http://schemas.openxmlformats.org/drawingml/2006/main" xmlns:r="http://schemas.openxmlformats.org/officeDocument/2006/relationships" xmlns:p="http://schemas.openxmlformats.org/presentationml/2006/main">
-  <p:cSld>
-    <p:spTree>
-      <p:nvGrpSpPr>
-        <p:cNvPr id="1" name=""/>
-        <p:cNvGrpSpPr/>
-        <p:nvPr/>
-      </p:nvGrpSpPr>
-      <p:grpSpPr/>
-      <p:sp>
-        <p:nvSpPr>
-          <p:cNvPr id="2" name="标题 1"/>
-          <p:cNvSpPr>
-            <a:spLocks noGrp="1"/>
-          </p:cNvSpPr>
-          <p:nvPr>
-            <p:ph type="title"/>
-          </p:nvPr>
-        </p:nvSpPr>
-        <p:spPr/>
-        <p:txBody>
-          <a:bodyPr/>
-          <a:p>
-            <a:br>
-              <a:rPr lang="zh-CN" altLang="en-US"/>
-            </a:br>
-            <a:r>
-              <a:rPr lang="zh-CN" altLang="en-US">
-                <a:sym typeface="+mn-ea"/>
-              </a:rPr>
-              <a:t>网上搜前端监控系统搭建会出来一大堆，可选方案如</a:t>
-            </a:r>
-            <a:endParaRPr lang="zh-CN" altLang="en-US"/>
-          </a:p>
-        </p:txBody>
-      </p:sp>
-      <p:sp>
-        <p:nvSpPr>
-          <p:cNvPr id="3" name="内容占位符 2"/>
-          <p:cNvSpPr>
-            <a:spLocks noGrp="1"/>
-          </p:cNvSpPr>
-          <p:nvPr>
-            <p:ph sz="half" idx="1"/>
-          </p:nvPr>
-        </p:nvSpPr>
-        <p:spPr>
-          <a:xfrm>
-            <a:off x="4572000" y="1988820"/>
-            <a:ext cx="3886200" cy="4241165"/>
-          </a:xfrm>
-        </p:spPr>
-        <p:txBody>
-          <a:bodyPr/>
-          <a:p>
-            <a:pPr marL="0" indent="0">
-              <a:buNone/>
-            </a:pPr>
-            <a:endParaRPr lang="zh-CN" altLang="en-US" sz="2000"/>
-          </a:p>
-          <a:p>
-            <a:r>
-              <a:rPr lang="zh-CN" altLang="en-US" sz="2000"/>
-              <a:t>阿里ARMS ：是阿里的一个前端数据监控的服务，是收费的。</a:t>
-            </a:r>
-            <a:endParaRPr lang="zh-CN" altLang="en-US" sz="2000"/>
-          </a:p>
-          <a:p>
-            <a:r>
-              <a:rPr lang="zh-CN" altLang="en-US" sz="2000"/>
-              <a:t>fundebug ：挺完善的前端错误日志服务，也是收费的。</a:t>
-            </a:r>
-            <a:endParaRPr lang="zh-CN" altLang="en-US" sz="2000"/>
-          </a:p>
-          <a:p>
-            <a:r>
-              <a:rPr lang="zh-CN" altLang="en-US" sz="2000"/>
-              <a:t>BadJS ：腾讯团队的一个开源项目，没看过，应该很不错的</a:t>
-            </a:r>
-            <a:endParaRPr lang="zh-CN" altLang="en-US" sz="2000"/>
-          </a:p>
-          <a:p>
-            <a:r>
-              <a:rPr lang="zh-CN" altLang="en-US" sz="2000"/>
-              <a:t>webfunny：作者是个人，开源部署，没用过。</a:t>
-            </a:r>
-            <a:endParaRPr lang="zh-CN" altLang="en-US" sz="2000"/>
-          </a:p>
-          <a:p>
-            <a:r>
-              <a:rPr lang="zh-CN" altLang="en-US" sz="2000"/>
-              <a:t>sentry ：个人项目不收费，企业收费。但是它是github 上面的一个开源项目，支持各端的错误监控</a:t>
-            </a:r>
-            <a:endParaRPr lang="zh-CN" altLang="en-US" sz="2000"/>
-          </a:p>
-          <a:p>
-            <a:endParaRPr lang="zh-CN" altLang="en-US" sz="2000"/>
-          </a:p>
-          <a:p>
-            <a:endParaRPr lang="zh-CN" altLang="en-US" sz="2000"/>
-          </a:p>
-        </p:txBody>
-      </p:sp>
-      <p:sp>
-        <p:nvSpPr>
-          <p:cNvPr id="4" name="内容占位符 3"/>
-          <p:cNvSpPr>
-            <a:spLocks noGrp="1"/>
-          </p:cNvSpPr>
-          <p:nvPr>
-            <p:ph sz="half" idx="2"/>
-          </p:nvPr>
-        </p:nvSpPr>
-        <p:spPr>
-          <a:xfrm>
-            <a:off x="611505" y="2420779"/>
-            <a:ext cx="3886200" cy="3263504"/>
-          </a:xfrm>
-        </p:spPr>
-        <p:txBody>
-          <a:bodyPr/>
-          <a:p>
-            <a:r>
-              <a:rPr lang="zh-CN" altLang="en-US"/>
-              <a:t>自行可以规划定义一套完善的监控系统。</a:t>
-            </a:r>
-            <a:r>
-              <a:rPr lang="zh-CN" altLang="en-US"/>
-              <a:t>但是需要人力重新开发。</a:t>
-            </a:r>
-            <a:endParaRPr lang="zh-CN" altLang="en-US"/>
-          </a:p>
-          <a:p>
-            <a:r>
-              <a:rPr lang="zh-CN" altLang="en-US"/>
-              <a:t>如</a:t>
-            </a:r>
-            <a:r>
-              <a:rPr lang="zh-CN" altLang="en-US"/>
-              <a:t>果人力财力充足。建议部署ELK。</a:t>
-            </a:r>
-            <a:endParaRPr lang="zh-CN" altLang="en-US"/>
-          </a:p>
-          <a:p>
-            <a:r>
-              <a:rPr lang="zh-CN" altLang="en-US"/>
-              <a:t>借助/部署第三方服务/插件</a:t>
-            </a:r>
-            <a:endParaRPr lang="zh-CN" altLang="en-US"/>
-          </a:p>
-        </p:txBody>
-      </p:sp>
-    </p:spTree>
-    <p:custDataLst>
-      <p:tags r:id="rId1"/>
-    </p:custDataLst>
-  </p:cSld>
-  <p:clrMapOvr>
-    <a:masterClrMapping/>
-  </p:clrMapOvr>
-</p:sld>
-</file>
-
 <file path=ppt/slides/slide4.xml><?xml version="1.0" encoding="utf-8"?>
 <p:sld xmlns:a="http://schemas.openxmlformats.org/drawingml/2006/main" xmlns:r="http://schemas.openxmlformats.org/officeDocument/2006/relationships" xmlns:p="http://schemas.openxmlformats.org/presentationml/2006/main">
   <p:cSld>
@@ -6516,7 +6671,7 @@
       <p:grpSpPr/>
       <p:sp>
         <p:nvSpPr>
-          <p:cNvPr id="8193" name="标题 1"/>
+          <p:cNvPr id="2" name="标题 1"/>
           <p:cNvSpPr>
             <a:spLocks noGrp="1"/>
           </p:cNvSpPr>
@@ -6526,11 +6681,16 @@
         </p:nvSpPr>
         <p:spPr/>
         <p:txBody>
-          <a:bodyPr vert="horz" lIns="91440" tIns="45720" rIns="91440" bIns="45720" anchor="b" anchorCtr="0"/>
-          <a:p>
-            <a:r>
+          <a:bodyPr/>
+          <a:p>
+            <a:br>
               <a:rPr lang="zh-CN" altLang="en-US"/>
-              <a:t>前端错误监控系统的必要条件</a:t>
+            </a:br>
+            <a:r>
+              <a:rPr lang="zh-CN" altLang="en-US">
+                <a:sym typeface="+mn-ea"/>
+              </a:rPr>
+              <a:t>网上搜前端监控系统搭建会出来一大堆，可选方案如</a:t>
             </a:r>
             <a:endParaRPr lang="zh-CN" altLang="en-US"/>
           </a:p>
@@ -6538,80 +6698,117 @@
       </p:sp>
       <p:sp>
         <p:nvSpPr>
-          <p:cNvPr id="8194" name="内容占位符 2"/>
+          <p:cNvPr id="3" name="内容占位符 2"/>
           <p:cNvSpPr>
             <a:spLocks noGrp="1"/>
           </p:cNvSpPr>
           <p:nvPr>
-            <p:ph idx="1"/>
-          </p:nvPr>
-        </p:nvSpPr>
-        <p:spPr/>
-        <p:txBody>
-          <a:bodyPr vert="horz" lIns="91440" tIns="45720" rIns="91440" bIns="45720" anchor="t" anchorCtr="0"/>
-          <a:p>
-            <a:pPr defTabSz="914400"/>
-            <a:r>
-              <a:rPr lang="zh-CN" altLang="en-US" kern="1200">
-                <a:latin typeface="+mn-lt"/>
-                <a:ea typeface="+mn-ea"/>
-                <a:cs typeface="+mn-cs"/>
-              </a:rPr>
-              <a:t>线上错误发现后，第一时间上报。</a:t>
-            </a:r>
-            <a:endParaRPr lang="zh-CN" altLang="en-US" kern="1200">
-              <a:latin typeface="+mn-lt"/>
-              <a:ea typeface="+mn-ea"/>
-              <a:cs typeface="+mn-cs"/>
-            </a:endParaRPr>
-          </a:p>
-          <a:p>
-            <a:pPr defTabSz="914400"/>
-            <a:r>
-              <a:rPr lang="zh-CN" altLang="en-US" kern="1200">
-                <a:latin typeface="+mn-lt"/>
-                <a:ea typeface="+mn-ea"/>
-                <a:cs typeface="+mn-cs"/>
-              </a:rPr>
-              <a:t>错误发生后要及时找到对应的源码位置。</a:t>
-            </a:r>
-            <a:endParaRPr lang="zh-CN" altLang="en-US" kern="1200">
-              <a:latin typeface="+mn-lt"/>
-              <a:ea typeface="+mn-ea"/>
-              <a:cs typeface="+mn-cs"/>
-            </a:endParaRPr>
-          </a:p>
-          <a:p>
-            <a:pPr defTabSz="914400"/>
-            <a:r>
-              <a:rPr lang="zh-CN" altLang="en-US" kern="1200">
-                <a:latin typeface="+mn-lt"/>
-                <a:ea typeface="+mn-ea"/>
-                <a:cs typeface="+mn-cs"/>
-              </a:rPr>
-              <a:t>及时找到对应的源码的开发者或更改者。</a:t>
-            </a:r>
-            <a:endParaRPr lang="zh-CN" altLang="en-US" kern="1200">
-              <a:latin typeface="+mn-lt"/>
-              <a:ea typeface="+mn-ea"/>
-              <a:cs typeface="+mn-cs"/>
-            </a:endParaRPr>
-          </a:p>
-          <a:p>
-            <a:pPr defTabSz="914400"/>
-            <a:r>
-              <a:rPr lang="zh-CN" altLang="en-US" kern="1200">
-                <a:latin typeface="+mn-lt"/>
-                <a:ea typeface="+mn-ea"/>
-                <a:cs typeface="+mn-cs"/>
-              </a:rPr>
-              <a:t>通知给该开发者。</a:t>
-            </a:r>
-            <a:endParaRPr lang="zh-CN" altLang="en-US" kern="1200">
-              <a:latin typeface="+mn-lt"/>
-              <a:ea typeface="+mn-ea"/>
-              <a:cs typeface="+mn-cs"/>
-            </a:endParaRPr>
+            <p:ph sz="half" idx="1"/>
+          </p:nvPr>
+        </p:nvSpPr>
+        <p:spPr>
+          <a:xfrm>
+            <a:off x="4572000" y="1988820"/>
+            <a:ext cx="3886200" cy="4241165"/>
+          </a:xfrm>
+        </p:spPr>
+        <p:txBody>
+          <a:bodyPr/>
+          <a:p>
+            <a:pPr marL="0" indent="0">
+              <a:buNone/>
+            </a:pPr>
+            <a:endParaRPr lang="zh-CN" altLang="en-US" sz="2000"/>
+          </a:p>
+          <a:p>
+            <a:r>
+              <a:rPr lang="zh-CN" altLang="en-US" sz="2000"/>
+              <a:t>阿里ARMS ：是阿里的一个前端数据监控的服务，是收费的。</a:t>
+            </a:r>
+            <a:endParaRPr lang="zh-CN" altLang="en-US" sz="2000"/>
+          </a:p>
+          <a:p>
+            <a:r>
+              <a:rPr lang="zh-CN" altLang="en-US" sz="2000"/>
+              <a:t>fundebug ：挺完善的前端错误日志服务，也是收费的。</a:t>
+            </a:r>
+            <a:endParaRPr lang="zh-CN" altLang="en-US" sz="2000"/>
+          </a:p>
+          <a:p>
+            <a:r>
+              <a:rPr lang="zh-CN" altLang="en-US" sz="2000"/>
+              <a:t>BadJS ：腾讯团队的一个开源项目，没看过，应该很不错的</a:t>
+            </a:r>
+            <a:endParaRPr lang="zh-CN" altLang="en-US" sz="2000"/>
+          </a:p>
+          <a:p>
+            <a:r>
+              <a:rPr lang="zh-CN" altLang="en-US" sz="2000"/>
+              <a:t>webfunny：作者是个人，开源部署，没用过。</a:t>
+            </a:r>
+            <a:endParaRPr lang="zh-CN" altLang="en-US" sz="2000"/>
+          </a:p>
+          <a:p>
+            <a:r>
+              <a:rPr lang="zh-CN" altLang="en-US" sz="2000"/>
+              <a:t>sentry ：个人项目不收费，企业收费。但是它是github 上面的一个开源项目，支持各端的错误监控</a:t>
+            </a:r>
+            <a:endParaRPr lang="zh-CN" altLang="en-US" sz="2000"/>
+          </a:p>
+          <a:p>
+            <a:endParaRPr lang="zh-CN" altLang="en-US" sz="2000"/>
+          </a:p>
+          <a:p>
+            <a:endParaRPr lang="zh-CN" altLang="en-US" sz="2000"/>
+          </a:p>
+        </p:txBody>
+      </p:sp>
+      <p:sp>
+        <p:nvSpPr>
+          <p:cNvPr id="4" name="内容占位符 3"/>
+          <p:cNvSpPr>
+            <a:spLocks noGrp="1"/>
+          </p:cNvSpPr>
+          <p:nvPr>
+            <p:ph sz="half" idx="2"/>
+          </p:nvPr>
+        </p:nvSpPr>
+        <p:spPr>
+          <a:xfrm>
+            <a:off x="611505" y="2420779"/>
+            <a:ext cx="3886200" cy="3263504"/>
+          </a:xfrm>
+        </p:spPr>
+        <p:txBody>
+          <a:bodyPr/>
+          <a:p>
+            <a:r>
+              <a:rPr lang="zh-CN" altLang="en-US"/>
+              <a:t>自行可以规划定义一套完善的监控系统。</a:t>
+            </a:r>
+            <a:r>
+              <a:rPr lang="zh-CN" altLang="en-US"/>
+              <a:t>但是需要人力重新开发。</a:t>
+            </a:r>
+            <a:endParaRPr lang="zh-CN" altLang="en-US"/>
+          </a:p>
+          <a:p>
+            <a:r>
+              <a:rPr lang="zh-CN" altLang="en-US"/>
+              <a:t>如</a:t>
+            </a:r>
+            <a:r>
+              <a:rPr lang="zh-CN" altLang="en-US"/>
+              <a:t>果人力财力充足。建议部署ELK。</a:t>
+            </a:r>
+            <a:endParaRPr lang="zh-CN" altLang="en-US"/>
+          </a:p>
+          <a:p>
+            <a:r>
+              <a:rPr lang="zh-CN" altLang="en-US"/>
+              <a:t>借助/部署第三方服务/插件</a:t>
+            </a:r>
+            <a:endParaRPr lang="zh-CN" altLang="en-US"/>
           </a:p>
         </p:txBody>
       </p:sp>
@@ -6638,7 +6835,7 @@
       <p:grpSpPr/>
       <p:sp>
         <p:nvSpPr>
-          <p:cNvPr id="9217" name="标题 1"/>
+          <p:cNvPr id="8193" name="标题 1"/>
           <p:cNvSpPr>
             <a:spLocks noGrp="1"/>
           </p:cNvSpPr>
@@ -6652,7 +6849,7 @@
           <a:p>
             <a:r>
               <a:rPr lang="zh-CN" altLang="en-US"/>
-              <a:t>技术分析</a:t>
+              <a:t>前端错误监控系统的必要条件</a:t>
             </a:r>
             <a:endParaRPr lang="zh-CN" altLang="en-US"/>
           </a:p>
@@ -6660,7 +6857,7 @@
       </p:sp>
       <p:sp>
         <p:nvSpPr>
-          <p:cNvPr id="9218" name="内容占位符 1"/>
+          <p:cNvPr id="8194" name="内容占位符 2"/>
           <p:cNvSpPr>
             <a:spLocks noGrp="1"/>
           </p:cNvSpPr>
@@ -6679,7 +6876,7 @@
                 <a:ea typeface="+mn-ea"/>
                 <a:cs typeface="+mn-cs"/>
               </a:rPr>
-              <a:t>通过对错误代码的监听捕获，达到埋点上报。</a:t>
+              <a:t>线上错误发现后，第一时间上报。</a:t>
             </a:r>
             <a:endParaRPr lang="zh-CN" altLang="en-US" kern="1200">
               <a:latin typeface="+mn-lt"/>
@@ -6695,23 +6892,23 @@
                 <a:ea typeface="+mn-ea"/>
                 <a:cs typeface="+mn-cs"/>
               </a:rPr>
-              <a:t>通过</a:t>
-            </a:r>
-            <a:r>
-              <a:rPr lang="en-US" altLang="zh-CN" kern="1200">
-                <a:latin typeface="+mn-lt"/>
-                <a:ea typeface="+mn-ea"/>
-                <a:cs typeface="+mn-cs"/>
-              </a:rPr>
-              <a:t>source-map</a:t>
-            </a:r>
+              <a:t>错误发生后要及时找到对应的源码位置。</a:t>
+            </a:r>
+            <a:endParaRPr lang="zh-CN" altLang="en-US" kern="1200">
+              <a:latin typeface="+mn-lt"/>
+              <a:ea typeface="+mn-ea"/>
+              <a:cs typeface="+mn-cs"/>
+            </a:endParaRPr>
+          </a:p>
+          <a:p>
+            <a:pPr defTabSz="914400"/>
             <a:r>
               <a:rPr lang="zh-CN" altLang="en-US" kern="1200">
                 <a:latin typeface="+mn-lt"/>
                 <a:ea typeface="+mn-ea"/>
                 <a:cs typeface="+mn-cs"/>
               </a:rPr>
-              <a:t>对打包后的代码进行具体定位。</a:t>
+              <a:t>及时找到对应的源码的开发者或更改者。</a:t>
             </a:r>
             <a:endParaRPr lang="zh-CN" altLang="en-US" kern="1200">
               <a:latin typeface="+mn-lt"/>
@@ -6727,39 +6924,7 @@
                 <a:ea typeface="+mn-ea"/>
                 <a:cs typeface="+mn-cs"/>
               </a:rPr>
-              <a:t>通过</a:t>
-            </a:r>
-            <a:r>
-              <a:rPr lang="en-US" altLang="zh-CN" kern="1200">
-                <a:latin typeface="+mn-lt"/>
-                <a:ea typeface="+mn-ea"/>
-                <a:cs typeface="+mn-cs"/>
-              </a:rPr>
-              <a:t>git api </a:t>
-            </a:r>
-            <a:r>
-              <a:rPr lang="zh-CN" altLang="en-US" kern="1200">
-                <a:latin typeface="+mn-lt"/>
-                <a:ea typeface="+mn-ea"/>
-                <a:cs typeface="+mn-cs"/>
-              </a:rPr>
-              <a:t>进行代码开发者的定位。</a:t>
-            </a:r>
-            <a:endParaRPr lang="zh-CN" altLang="en-US" kern="1200">
-              <a:latin typeface="+mn-lt"/>
-              <a:ea typeface="+mn-ea"/>
-              <a:cs typeface="+mn-cs"/>
-            </a:endParaRPr>
-          </a:p>
-          <a:p>
-            <a:pPr defTabSz="914400"/>
-            <a:r>
-              <a:rPr lang="zh-CN" altLang="en-US" kern="1200">
-                <a:latin typeface="+mn-lt"/>
-                <a:ea typeface="+mn-ea"/>
-                <a:cs typeface="+mn-cs"/>
-              </a:rPr>
-              <a:t>通过钉钉或其他通知到该用户。</a:t>
+              <a:t>通知给该开发者。</a:t>
             </a:r>
             <a:endParaRPr lang="zh-CN" altLang="en-US" kern="1200">
               <a:latin typeface="+mn-lt"/>
@@ -6781,6 +6946,160 @@
 </file>
 
 <file path=ppt/slides/slide6.xml><?xml version="1.0" encoding="utf-8"?>
+<p:sld xmlns:a="http://schemas.openxmlformats.org/drawingml/2006/main" xmlns:r="http://schemas.openxmlformats.org/officeDocument/2006/relationships" xmlns:p="http://schemas.openxmlformats.org/presentationml/2006/main">
+  <p:cSld>
+    <p:spTree>
+      <p:nvGrpSpPr>
+        <p:cNvPr id="1" name=""/>
+        <p:cNvGrpSpPr/>
+        <p:nvPr/>
+      </p:nvGrpSpPr>
+      <p:grpSpPr/>
+      <p:sp>
+        <p:nvSpPr>
+          <p:cNvPr id="9217" name="标题 1"/>
+          <p:cNvSpPr>
+            <a:spLocks noGrp="1"/>
+          </p:cNvSpPr>
+          <p:nvPr>
+            <p:ph type="title"/>
+          </p:nvPr>
+        </p:nvSpPr>
+        <p:spPr/>
+        <p:txBody>
+          <a:bodyPr vert="horz" lIns="91440" tIns="45720" rIns="91440" bIns="45720" anchor="b" anchorCtr="0"/>
+          <a:p>
+            <a:r>
+              <a:rPr lang="zh-CN" altLang="en-US"/>
+              <a:t>技术分析</a:t>
+            </a:r>
+            <a:endParaRPr lang="zh-CN" altLang="en-US"/>
+          </a:p>
+        </p:txBody>
+      </p:sp>
+      <p:sp>
+        <p:nvSpPr>
+          <p:cNvPr id="9218" name="内容占位符 1"/>
+          <p:cNvSpPr>
+            <a:spLocks noGrp="1"/>
+          </p:cNvSpPr>
+          <p:nvPr>
+            <p:ph idx="1"/>
+          </p:nvPr>
+        </p:nvSpPr>
+        <p:spPr/>
+        <p:txBody>
+          <a:bodyPr vert="horz" lIns="91440" tIns="45720" rIns="91440" bIns="45720" anchor="t" anchorCtr="0"/>
+          <a:p>
+            <a:pPr defTabSz="914400"/>
+            <a:r>
+              <a:rPr lang="zh-CN" altLang="en-US" kern="1200">
+                <a:latin typeface="+mn-lt"/>
+                <a:ea typeface="+mn-ea"/>
+                <a:cs typeface="+mn-cs"/>
+              </a:rPr>
+              <a:t>通过对错误代码的监听捕获，达到埋点上报。</a:t>
+            </a:r>
+            <a:endParaRPr lang="zh-CN" altLang="en-US" kern="1200">
+              <a:latin typeface="+mn-lt"/>
+              <a:ea typeface="+mn-ea"/>
+              <a:cs typeface="+mn-cs"/>
+            </a:endParaRPr>
+          </a:p>
+          <a:p>
+            <a:pPr defTabSz="914400"/>
+            <a:r>
+              <a:rPr lang="zh-CN" altLang="en-US" kern="1200">
+                <a:latin typeface="+mn-lt"/>
+                <a:ea typeface="+mn-ea"/>
+                <a:cs typeface="+mn-cs"/>
+              </a:rPr>
+              <a:t>通过</a:t>
+            </a:r>
+            <a:r>
+              <a:rPr lang="en-US" altLang="zh-CN" kern="1200">
+                <a:latin typeface="+mn-lt"/>
+                <a:ea typeface="+mn-ea"/>
+                <a:cs typeface="+mn-cs"/>
+              </a:rPr>
+              <a:t>source-map</a:t>
+            </a:r>
+            <a:r>
+              <a:rPr lang="zh-CN" altLang="en-US" kern="1200">
+                <a:latin typeface="+mn-lt"/>
+                <a:ea typeface="+mn-ea"/>
+                <a:cs typeface="+mn-cs"/>
+              </a:rPr>
+              <a:t>对打包后的代码进行具体定位。</a:t>
+            </a:r>
+            <a:endParaRPr lang="zh-CN" altLang="en-US" kern="1200">
+              <a:latin typeface="+mn-lt"/>
+              <a:ea typeface="+mn-ea"/>
+              <a:cs typeface="+mn-cs"/>
+            </a:endParaRPr>
+          </a:p>
+          <a:p>
+            <a:pPr defTabSz="914400"/>
+            <a:r>
+              <a:rPr lang="zh-CN" altLang="en-US" kern="1200">
+                <a:latin typeface="+mn-lt"/>
+                <a:ea typeface="+mn-ea"/>
+                <a:cs typeface="+mn-cs"/>
+              </a:rPr>
+              <a:t>通过</a:t>
+            </a:r>
+            <a:r>
+              <a:rPr lang="en-US" altLang="zh-CN" kern="1200">
+                <a:latin typeface="+mn-lt"/>
+                <a:ea typeface="+mn-ea"/>
+                <a:cs typeface="+mn-cs"/>
+              </a:rPr>
+              <a:t>git api </a:t>
+            </a:r>
+            <a:r>
+              <a:rPr lang="zh-CN" altLang="en-US" kern="1200">
+                <a:latin typeface="+mn-lt"/>
+                <a:ea typeface="+mn-ea"/>
+                <a:cs typeface="+mn-cs"/>
+              </a:rPr>
+              <a:t>进行代码开发者的定位。</a:t>
+            </a:r>
+            <a:endParaRPr lang="zh-CN" altLang="en-US" kern="1200">
+              <a:latin typeface="+mn-lt"/>
+              <a:ea typeface="+mn-ea"/>
+              <a:cs typeface="+mn-cs"/>
+            </a:endParaRPr>
+          </a:p>
+          <a:p>
+            <a:pPr defTabSz="914400"/>
+            <a:r>
+              <a:rPr lang="zh-CN" altLang="en-US" kern="1200">
+                <a:latin typeface="+mn-lt"/>
+                <a:ea typeface="+mn-ea"/>
+                <a:cs typeface="+mn-cs"/>
+              </a:rPr>
+              <a:t>通过钉钉或其他通知到该用户。</a:t>
+            </a:r>
+            <a:endParaRPr lang="zh-CN" altLang="en-US" kern="1200">
+              <a:latin typeface="+mn-lt"/>
+              <a:ea typeface="+mn-ea"/>
+              <a:cs typeface="+mn-cs"/>
+            </a:endParaRPr>
+          </a:p>
+        </p:txBody>
+      </p:sp>
+    </p:spTree>
+    <p:custDataLst>
+      <p:tags r:id="rId1"/>
+    </p:custDataLst>
+  </p:cSld>
+  <p:clrMapOvr>
+    <a:masterClrMapping/>
+  </p:clrMapOvr>
+</p:sld>
+</file>
+
+<file path=ppt/slides/slide7.xml><?xml version="1.0" encoding="utf-8"?>
 <p:sld xmlns:a="http://schemas.openxmlformats.org/drawingml/2006/main" xmlns:r="http://schemas.openxmlformats.org/officeDocument/2006/relationships" xmlns:p="http://schemas.openxmlformats.org/presentationml/2006/main">
   <p:cSld>
     <p:spTree>
@@ -6986,7 +7305,7 @@
 </p:sld>
 </file>
 
-<file path=ppt/slides/slide7.xml><?xml version="1.0" encoding="utf-8"?>
+<file path=ppt/slides/slide8.xml><?xml version="1.0" encoding="utf-8"?>
 <p:sld xmlns:a="http://schemas.openxmlformats.org/drawingml/2006/main" xmlns:r="http://schemas.openxmlformats.org/officeDocument/2006/relationships" xmlns:p="http://schemas.openxmlformats.org/presentationml/2006/main">
   <p:cSld>
     <p:spTree>
@@ -7133,7 +7452,7 @@
 </p:sld>
 </file>
 
-<file path=ppt/slides/slide8.xml><?xml version="1.0" encoding="utf-8"?>
+<file path=ppt/slides/slide9.xml><?xml version="1.0" encoding="utf-8"?>
 <p:sld xmlns:a="http://schemas.openxmlformats.org/drawingml/2006/main" xmlns:r="http://schemas.openxmlformats.org/officeDocument/2006/relationships" xmlns:p="http://schemas.openxmlformats.org/presentationml/2006/main">
   <p:cSld>
     <p:spTree>
@@ -7185,72 +7504,6 @@
           <a:xfrm>
             <a:off x="1295400" y="2814638"/>
             <a:ext cx="6553200" cy="2085975"/>
-          </a:xfrm>
-        </p:spPr>
-      </p:pic>
-    </p:spTree>
-    <p:custDataLst>
-      <p:tags r:id="rId2"/>
-    </p:custDataLst>
-  </p:cSld>
-  <p:clrMapOvr>
-    <a:masterClrMapping/>
-  </p:clrMapOvr>
-</p:sld>
-</file>
-
-<file path=ppt/slides/slide9.xml><?xml version="1.0" encoding="utf-8"?>
-<p:sld xmlns:a="http://schemas.openxmlformats.org/drawingml/2006/main" xmlns:r="http://schemas.openxmlformats.org/officeDocument/2006/relationships" xmlns:p="http://schemas.openxmlformats.org/presentationml/2006/main">
-  <p:cSld>
-    <p:spTree>
-      <p:nvGrpSpPr>
-        <p:cNvPr id="1" name=""/>
-        <p:cNvGrpSpPr/>
-        <p:nvPr/>
-      </p:nvGrpSpPr>
-      <p:grpSpPr/>
-      <p:sp>
-        <p:nvSpPr>
-          <p:cNvPr id="13313" name="标题 1"/>
-          <p:cNvSpPr>
-            <a:spLocks noGrp="1"/>
-          </p:cNvSpPr>
-          <p:nvPr>
-            <p:ph type="title"/>
-          </p:nvPr>
-        </p:nvSpPr>
-        <p:spPr/>
-        <p:txBody>
-          <a:bodyPr vert="horz" lIns="91440" tIns="45720" rIns="91440" bIns="45720" anchor="b" anchorCtr="0"/>
-          <a:p>
-            <a:r>
-              <a:rPr lang="zh-CN" altLang="en-US"/>
-              <a:t>通过钉钉发送</a:t>
-            </a:r>
-            <a:endParaRPr lang="zh-CN" altLang="en-US"/>
-          </a:p>
-        </p:txBody>
-      </p:sp>
-      <p:pic>
-        <p:nvPicPr>
-          <p:cNvPr id="13314" name="内容占位符 3"/>
-          <p:cNvPicPr>
-            <a:picLocks noGrp="1" noChangeAspect="1"/>
-          </p:cNvPicPr>
-          <p:nvPr>
-            <p:ph idx="1"/>
-          </p:nvPr>
-        </p:nvPicPr>
-        <p:blipFill>
-          <a:blip r:embed="rId1"/>
-          <a:stretch>
-            <a:fillRect/>
-          </a:stretch>
-        </p:blipFill>
-        <p:spPr>
-          <a:xfrm>
-            <a:off x="2838450" y="2227263"/>
-            <a:ext cx="3465513" cy="3262312"/>
           </a:xfrm>
         </p:spPr>
       </p:pic>
@@ -7293,16 +7546,16 @@
 
 <file path=ppt/tags/tag12.xml><?xml version="1.0" encoding="utf-8"?>
 <p:tagLst xmlns:p="http://schemas.openxmlformats.org/presentationml/2006/main">
-  <p:tag name="KSO_WM_UNIT_PLACING_PICTURE_USER_VIEWPORT" val="{&quot;height&quot;:3805,&quot;width&quot;:6120}"/>
+  <p:tag name="KSO_WM_BEAUTIFY_FLAG" val="#wm#"/>
+  <p:tag name="KSO_WM_TEMPLATE_CATEGORY" val="custom"/>
+  <p:tag name="KSO_WM_TEMPLATE_INDEX" val="20181637"/>
+  <p:tag name="KSO_WM_SPECIAL_SOURCE" val="bdnull"/>
 </p:tagLst>
 </file>
 
 <file path=ppt/tags/tag13.xml><?xml version="1.0" encoding="utf-8"?>
 <p:tagLst xmlns:p="http://schemas.openxmlformats.org/presentationml/2006/main">
-  <p:tag name="KSO_WM_BEAUTIFY_FLAG" val="#wm#"/>
-  <p:tag name="KSO_WM_TEMPLATE_CATEGORY" val="custom"/>
-  <p:tag name="KSO_WM_TEMPLATE_INDEX" val="20181637"/>
-  <p:tag name="KSO_WM_SPECIAL_SOURCE" val="bdnull"/>
+  <p:tag name="KSO_WM_UNIT_PLACING_PICTURE_USER_VIEWPORT" val="{&quot;height&quot;:3805,&quot;width&quot;:6120}"/>
 </p:tagLst>
 </file>
 
@@ -7344,7 +7597,19 @@
 
 <file path=ppt/tags/tag18.xml><?xml version="1.0" encoding="utf-8"?>
 <p:tagLst xmlns:p="http://schemas.openxmlformats.org/presentationml/2006/main">
-  <p:tag name="KSO_DOCER_TEMPLATE_OPEN_ONCE_MARK" val="1"/>
+  <p:tag name="KSO_WM_BEAUTIFY_FLAG" val="#wm#"/>
+  <p:tag name="KSO_WM_TEMPLATE_CATEGORY" val="custom"/>
+  <p:tag name="KSO_WM_TEMPLATE_INDEX" val="20181637"/>
+  <p:tag name="KSO_WM_SPECIAL_SOURCE" val="bdnull"/>
+</p:tagLst>
+</file>
+
+<file path=ppt/tags/tag19.xml><?xml version="1.0" encoding="utf-8"?>
+<p:tagLst xmlns:p="http://schemas.openxmlformats.org/presentationml/2006/main">
+  <p:tag name="KSO_WM_BEAUTIFY_FLAG" val="#wm#"/>
+  <p:tag name="KSO_WM_TEMPLATE_CATEGORY" val="custom"/>
+  <p:tag name="KSO_WM_TEMPLATE_INDEX" val="20181637"/>
+  <p:tag name="KSO_WM_SPECIAL_SOURCE" val="bdnull"/>
 </p:tagLst>
 </file>
 
@@ -7353,6 +7618,12 @@
   <p:tag name="KSO_WM_TAG_VERSION" val="1.0"/>
   <p:tag name="KSO_WM_TEMPLATE_CATEGORY" val="custom"/>
   <p:tag name="KSO_WM_TEMPLATE_INDEX" val="20181637"/>
+</p:tagLst>
+</file>
+
+<file path=ppt/tags/tag20.xml><?xml version="1.0" encoding="utf-8"?>
+<p:tagLst xmlns:p="http://schemas.openxmlformats.org/presentationml/2006/main">
+  <p:tag name="KSO_DOCER_TEMPLATE_OPEN_ONCE_MARK" val="1"/>
 </p:tagLst>
 </file>
 
